--- a/lab3/Старостенок_lab3.pptx
+++ b/lab3/Старостенок_lab3.pptx
@@ -107,6 +107,11 @@
       </a:defRPr>
     </a:lvl9pPr>
   </p:defaultTextStyle>
+  <p:extLst>
+    <p:ext uri="{EFAFB233-063F-42B5-8137-9DF3F51BA10A}">
+      <p15:sldGuideLst xmlns:p15="http://schemas.microsoft.com/office/powerpoint/2012/main"/>
+    </p:ext>
+  </p:extLst>
 </p:presentation>
 </file>
 
@@ -192,7 +197,7 @@
           <a:p>
             <a:fld id="{E03A1DBC-7ED8-4036-A1E4-AA8E3113B0E0}" type="datetimeFigureOut">
               <a:rPr lang="ru-RU" smtClean="0"/>
-              <a:t>17.03.2023</a:t>
+              <a:t>18.03.2023</a:t>
             </a:fld>
             <a:endParaRPr lang="ru-RU"/>
           </a:p>
@@ -511,27 +516,17 @@
                 <a:effectLst/>
                 <a:latin typeface="Söhne"/>
               </a:rPr>
-              <a:t>Данная UML диаграмма описывает систему для управления музыкальными композициями и плейлистами, а также для загрузки и удаления плагинов. Актер "Пользователь ПК" может выполнить ряд действий, связанных с прецедентами, включая прослушивание отдельных композиций и плейлистов, изменение и удаление плейлистов, создание новых плейлистов и управление плагинами. Для выполнения этих действий пользователь должен выполнить предварительный поиск композиций, плейлистов и плагинов. Диаграмма содержит отношения &lt;&lt;</a:t>
-            </a:r>
-            <a:r>
-              <a:rPr lang="ru-RU" b="0" i="0" dirty="0" err="1">
+              <a:t>Данная диаграмма UML описывает систему управления музыкальными композициями, плейлистами и плагинами. Актер "Пользователь ПК" может выполнять различные действия, включая прослушивание, создание, изменение и удаление плейлистов, а также загрузку и удаление плагинов. </a:t>
+            </a:r>
+            <a:r>
+              <a:rPr lang="ru-RU" b="0" i="0">
                 <a:solidFill>
                   <a:srgbClr val="D1D5DB"/>
                 </a:solidFill>
                 <a:effectLst/>
                 <a:latin typeface="Söhne"/>
               </a:rPr>
-              <a:t>include</a:t>
-            </a:r>
-            <a:r>
-              <a:rPr lang="ru-RU" b="0" i="0" dirty="0">
-                <a:solidFill>
-                  <a:srgbClr val="D1D5DB"/>
-                </a:solidFill>
-                <a:effectLst/>
-                <a:latin typeface="Söhne"/>
-              </a:rPr>
-              <a:t>&gt;&gt;, которые связывают прецеденты с другими прецедентами, необходимыми для их выполнения.</a:t>
+              <a:t>Для выполнения этих действий требуется предварительный поиск композиций, плейлистов и плагинов.</a:t>
             </a:r>
             <a:endParaRPr lang="ru-RU" dirty="0"/>
           </a:p>
@@ -720,7 +715,7 @@
           <a:p>
             <a:fld id="{F792C4AF-9897-4D23-93F0-8A464C21CB5F}" type="datetimeFigureOut">
               <a:rPr lang="ru-RU" smtClean="0"/>
-              <a:t>17.03.2023</a:t>
+              <a:t>18.03.2023</a:t>
             </a:fld>
             <a:endParaRPr lang="ru-RU"/>
           </a:p>
@@ -918,7 +913,7 @@
           <a:p>
             <a:fld id="{F792C4AF-9897-4D23-93F0-8A464C21CB5F}" type="datetimeFigureOut">
               <a:rPr lang="ru-RU" smtClean="0"/>
-              <a:t>17.03.2023</a:t>
+              <a:t>18.03.2023</a:t>
             </a:fld>
             <a:endParaRPr lang="ru-RU"/>
           </a:p>
@@ -1126,7 +1121,7 @@
           <a:p>
             <a:fld id="{F792C4AF-9897-4D23-93F0-8A464C21CB5F}" type="datetimeFigureOut">
               <a:rPr lang="ru-RU" smtClean="0"/>
-              <a:t>17.03.2023</a:t>
+              <a:t>18.03.2023</a:t>
             </a:fld>
             <a:endParaRPr lang="ru-RU"/>
           </a:p>
@@ -1324,7 +1319,7 @@
           <a:p>
             <a:fld id="{F792C4AF-9897-4D23-93F0-8A464C21CB5F}" type="datetimeFigureOut">
               <a:rPr lang="ru-RU" smtClean="0"/>
-              <a:t>17.03.2023</a:t>
+              <a:t>18.03.2023</a:t>
             </a:fld>
             <a:endParaRPr lang="ru-RU"/>
           </a:p>
@@ -1599,7 +1594,7 @@
           <a:p>
             <a:fld id="{F792C4AF-9897-4D23-93F0-8A464C21CB5F}" type="datetimeFigureOut">
               <a:rPr lang="ru-RU" smtClean="0"/>
-              <a:t>17.03.2023</a:t>
+              <a:t>18.03.2023</a:t>
             </a:fld>
             <a:endParaRPr lang="ru-RU"/>
           </a:p>
@@ -1864,7 +1859,7 @@
           <a:p>
             <a:fld id="{F792C4AF-9897-4D23-93F0-8A464C21CB5F}" type="datetimeFigureOut">
               <a:rPr lang="ru-RU" smtClean="0"/>
-              <a:t>17.03.2023</a:t>
+              <a:t>18.03.2023</a:t>
             </a:fld>
             <a:endParaRPr lang="ru-RU"/>
           </a:p>
@@ -2276,7 +2271,7 @@
           <a:p>
             <a:fld id="{F792C4AF-9897-4D23-93F0-8A464C21CB5F}" type="datetimeFigureOut">
               <a:rPr lang="ru-RU" smtClean="0"/>
-              <a:t>17.03.2023</a:t>
+              <a:t>18.03.2023</a:t>
             </a:fld>
             <a:endParaRPr lang="ru-RU"/>
           </a:p>
@@ -2417,7 +2412,7 @@
           <a:p>
             <a:fld id="{F792C4AF-9897-4D23-93F0-8A464C21CB5F}" type="datetimeFigureOut">
               <a:rPr lang="ru-RU" smtClean="0"/>
-              <a:t>17.03.2023</a:t>
+              <a:t>18.03.2023</a:t>
             </a:fld>
             <a:endParaRPr lang="ru-RU"/>
           </a:p>
@@ -2530,7 +2525,7 @@
           <a:p>
             <a:fld id="{F792C4AF-9897-4D23-93F0-8A464C21CB5F}" type="datetimeFigureOut">
               <a:rPr lang="ru-RU" smtClean="0"/>
-              <a:t>17.03.2023</a:t>
+              <a:t>18.03.2023</a:t>
             </a:fld>
             <a:endParaRPr lang="ru-RU"/>
           </a:p>
@@ -2841,7 +2836,7 @@
           <a:p>
             <a:fld id="{F792C4AF-9897-4D23-93F0-8A464C21CB5F}" type="datetimeFigureOut">
               <a:rPr lang="ru-RU" smtClean="0"/>
-              <a:t>17.03.2023</a:t>
+              <a:t>18.03.2023</a:t>
             </a:fld>
             <a:endParaRPr lang="ru-RU"/>
           </a:p>
@@ -3129,7 +3124,7 @@
           <a:p>
             <a:fld id="{F792C4AF-9897-4D23-93F0-8A464C21CB5F}" type="datetimeFigureOut">
               <a:rPr lang="ru-RU" smtClean="0"/>
-              <a:t>17.03.2023</a:t>
+              <a:t>18.03.2023</a:t>
             </a:fld>
             <a:endParaRPr lang="ru-RU"/>
           </a:p>
@@ -3370,7 +3365,7 @@
           <a:p>
             <a:fld id="{F792C4AF-9897-4D23-93F0-8A464C21CB5F}" type="datetimeFigureOut">
               <a:rPr lang="ru-RU" smtClean="0"/>
-              <a:t>17.03.2023</a:t>
+              <a:t>18.03.2023</a:t>
             </a:fld>
             <a:endParaRPr lang="ru-RU"/>
           </a:p>
